--- a/HomeWorks/Network and System Security/final_task/projects/Зачем меняем PPCS.pptx
+++ b/HomeWorks/Network and System Security/final_task/projects/Зачем меняем PPCS.pptx
@@ -108,6 +108,11 @@
       </a:defRPr>
     </a:lvl9pPr>
   </p:defaultTextStyle>
+  <p:extLst>
+    <p:ext uri="{EFAFB233-063F-42B5-8137-9DF3F51BA10A}">
+      <p15:sldGuideLst xmlns:p15="http://schemas.microsoft.com/office/powerpoint/2012/main"/>
+    </p:ext>
+  </p:extLst>
 </p:presentation>
 </file>
 
@@ -302,7 +307,7 @@
           <a:p>
             <a:fld id="{66997E95-4091-4DC4-9A00-6D0A4DE9D642}" type="datetimeFigureOut">
               <a:rPr lang="ru-RU" smtClean="0"/>
-              <a:t>19.06.2025</a:t>
+              <a:t>20.06.2025</a:t>
             </a:fld>
             <a:endParaRPr lang="ru-RU"/>
           </a:p>
@@ -738,7 +743,7 @@
           <a:p>
             <a:fld id="{66997E95-4091-4DC4-9A00-6D0A4DE9D642}" type="datetimeFigureOut">
               <a:rPr lang="ru-RU" smtClean="0"/>
-              <a:t>19.06.2025</a:t>
+              <a:t>20.06.2025</a:t>
             </a:fld>
             <a:endParaRPr lang="ru-RU"/>
           </a:p>
@@ -988,7 +993,7 @@
           <a:p>
             <a:fld id="{66997E95-4091-4DC4-9A00-6D0A4DE9D642}" type="datetimeFigureOut">
               <a:rPr lang="ru-RU" smtClean="0"/>
-              <a:t>19.06.2025</a:t>
+              <a:t>20.06.2025</a:t>
             </a:fld>
             <a:endParaRPr lang="ru-RU"/>
           </a:p>
@@ -1296,7 +1301,7 @@
           <a:p>
             <a:fld id="{66997E95-4091-4DC4-9A00-6D0A4DE9D642}" type="datetimeFigureOut">
               <a:rPr lang="ru-RU" smtClean="0"/>
-              <a:t>19.06.2025</a:t>
+              <a:t>20.06.2025</a:t>
             </a:fld>
             <a:endParaRPr lang="ru-RU"/>
           </a:p>
@@ -1614,7 +1619,7 @@
           <a:p>
             <a:fld id="{66997E95-4091-4DC4-9A00-6D0A4DE9D642}" type="datetimeFigureOut">
               <a:rPr lang="ru-RU" smtClean="0"/>
-              <a:t>19.06.2025</a:t>
+              <a:t>20.06.2025</a:t>
             </a:fld>
             <a:endParaRPr lang="ru-RU"/>
           </a:p>
@@ -1916,7 +1921,7 @@
           <a:p>
             <a:fld id="{66997E95-4091-4DC4-9A00-6D0A4DE9D642}" type="datetimeFigureOut">
               <a:rPr lang="ru-RU" smtClean="0"/>
-              <a:t>19.06.2025</a:t>
+              <a:t>20.06.2025</a:t>
             </a:fld>
             <a:endParaRPr lang="ru-RU"/>
           </a:p>
@@ -2283,7 +2288,7 @@
           <a:p>
             <a:fld id="{66997E95-4091-4DC4-9A00-6D0A4DE9D642}" type="datetimeFigureOut">
               <a:rPr lang="ru-RU" smtClean="0"/>
-              <a:t>19.06.2025</a:t>
+              <a:t>20.06.2025</a:t>
             </a:fld>
             <a:endParaRPr lang="ru-RU"/>
           </a:p>
@@ -2457,7 +2462,7 @@
           <a:p>
             <a:fld id="{66997E95-4091-4DC4-9A00-6D0A4DE9D642}" type="datetimeFigureOut">
               <a:rPr lang="ru-RU" smtClean="0"/>
-              <a:t>19.06.2025</a:t>
+              <a:t>20.06.2025</a:t>
             </a:fld>
             <a:endParaRPr lang="ru-RU"/>
           </a:p>
@@ -2637,7 +2642,7 @@
           <a:p>
             <a:fld id="{66997E95-4091-4DC4-9A00-6D0A4DE9D642}" type="datetimeFigureOut">
               <a:rPr lang="ru-RU" smtClean="0"/>
-              <a:t>19.06.2025</a:t>
+              <a:t>20.06.2025</a:t>
             </a:fld>
             <a:endParaRPr lang="ru-RU"/>
           </a:p>
@@ -2807,7 +2812,7 @@
           <a:p>
             <a:fld id="{66997E95-4091-4DC4-9A00-6D0A4DE9D642}" type="datetimeFigureOut">
               <a:rPr lang="ru-RU" smtClean="0"/>
-              <a:t>19.06.2025</a:t>
+              <a:t>20.06.2025</a:t>
             </a:fld>
             <a:endParaRPr lang="ru-RU"/>
           </a:p>
@@ -3057,7 +3062,7 @@
           <a:p>
             <a:fld id="{66997E95-4091-4DC4-9A00-6D0A4DE9D642}" type="datetimeFigureOut">
               <a:rPr lang="ru-RU" smtClean="0"/>
-              <a:t>19.06.2025</a:t>
+              <a:t>20.06.2025</a:t>
             </a:fld>
             <a:endParaRPr lang="ru-RU"/>
           </a:p>
@@ -3293,7 +3298,7 @@
           <a:p>
             <a:fld id="{66997E95-4091-4DC4-9A00-6D0A4DE9D642}" type="datetimeFigureOut">
               <a:rPr lang="ru-RU" smtClean="0"/>
-              <a:t>19.06.2025</a:t>
+              <a:t>20.06.2025</a:t>
             </a:fld>
             <a:endParaRPr lang="ru-RU"/>
           </a:p>
@@ -3675,7 +3680,7 @@
           <a:p>
             <a:fld id="{66997E95-4091-4DC4-9A00-6D0A4DE9D642}" type="datetimeFigureOut">
               <a:rPr lang="ru-RU" smtClean="0"/>
-              <a:t>19.06.2025</a:t>
+              <a:t>20.06.2025</a:t>
             </a:fld>
             <a:endParaRPr lang="ru-RU"/>
           </a:p>
@@ -3793,7 +3798,7 @@
           <a:p>
             <a:fld id="{66997E95-4091-4DC4-9A00-6D0A4DE9D642}" type="datetimeFigureOut">
               <a:rPr lang="ru-RU" smtClean="0"/>
-              <a:t>19.06.2025</a:t>
+              <a:t>20.06.2025</a:t>
             </a:fld>
             <a:endParaRPr lang="ru-RU"/>
           </a:p>
@@ -3888,7 +3893,7 @@
           <a:p>
             <a:fld id="{66997E95-4091-4DC4-9A00-6D0A4DE9D642}" type="datetimeFigureOut">
               <a:rPr lang="ru-RU" smtClean="0"/>
-              <a:t>19.06.2025</a:t>
+              <a:t>20.06.2025</a:t>
             </a:fld>
             <a:endParaRPr lang="ru-RU"/>
           </a:p>
@@ -4143,7 +4148,7 @@
           <a:p>
             <a:fld id="{66997E95-4091-4DC4-9A00-6D0A4DE9D642}" type="datetimeFigureOut">
               <a:rPr lang="ru-RU" smtClean="0"/>
-              <a:t>19.06.2025</a:t>
+              <a:t>20.06.2025</a:t>
             </a:fld>
             <a:endParaRPr lang="ru-RU"/>
           </a:p>
@@ -4426,7 +4431,7 @@
           <a:p>
             <a:fld id="{66997E95-4091-4DC4-9A00-6D0A4DE9D642}" type="datetimeFigureOut">
               <a:rPr lang="ru-RU" smtClean="0"/>
-              <a:t>19.06.2025</a:t>
+              <a:t>20.06.2025</a:t>
             </a:fld>
             <a:endParaRPr lang="ru-RU"/>
           </a:p>
@@ -4832,7 +4837,7 @@
           <a:p>
             <a:fld id="{66997E95-4091-4DC4-9A00-6D0A4DE9D642}" type="datetimeFigureOut">
               <a:rPr lang="ru-RU" smtClean="0"/>
-              <a:t>19.06.2025</a:t>
+              <a:t>20.06.2025</a:t>
             </a:fld>
             <a:endParaRPr lang="ru-RU"/>
           </a:p>
@@ -5487,28 +5492,42 @@
               <a:buChar char="•"/>
             </a:pPr>
             <a:r>
-              <a:rPr lang="en-US" b="1" dirty="0" err="1">
-                <a:latin typeface="Times New Roman" panose="02020603050405020304" pitchFamily="18" charset="0"/>
-                <a:cs typeface="Times New Roman" panose="02020603050405020304" pitchFamily="18" charset="0"/>
-              </a:rPr>
-              <a:t>Laas</a:t>
+              <a:rPr lang="en-US" b="1" smtClean="0">
+                <a:latin typeface="Times New Roman" panose="02020603050405020304" pitchFamily="18" charset="0"/>
+                <a:cs typeface="Times New Roman" panose="02020603050405020304" pitchFamily="18" charset="0"/>
+              </a:rPr>
+              <a:t>I</a:t>
+            </a:r>
+            <a:r>
+              <a:rPr lang="en-US" b="1" smtClean="0">
+                <a:latin typeface="Times New Roman" panose="02020603050405020304" pitchFamily="18" charset="0"/>
+                <a:cs typeface="Times New Roman" panose="02020603050405020304" pitchFamily="18" charset="0"/>
+              </a:rPr>
+              <a:t>aaS</a:t>
+            </a:r>
+            <a:r>
+              <a:rPr lang="en-US" smtClean="0">
+                <a:latin typeface="Times New Roman" panose="02020603050405020304" pitchFamily="18" charset="0"/>
+                <a:cs typeface="Times New Roman" panose="02020603050405020304" pitchFamily="18" charset="0"/>
+              </a:rPr>
+              <a:t> </a:t>
             </a:r>
             <a:r>
               <a:rPr lang="en-US" dirty="0">
                 <a:latin typeface="Times New Roman" panose="02020603050405020304" pitchFamily="18" charset="0"/>
                 <a:cs typeface="Times New Roman" panose="02020603050405020304" pitchFamily="18" charset="0"/>
               </a:rPr>
-              <a:t> - Logging as a </a:t>
-            </a:r>
-            <a:r>
-              <a:rPr lang="en-US" dirty="0" smtClean="0">
-                <a:latin typeface="Times New Roman" panose="02020603050405020304" pitchFamily="18" charset="0"/>
-                <a:cs typeface="Times New Roman" panose="02020603050405020304" pitchFamily="18" charset="0"/>
-              </a:rPr>
-              <a:t>service</a:t>
-            </a:r>
-            <a:r>
-              <a:rPr lang="ru-RU" dirty="0">
+              <a:t>- </a:t>
+            </a:r>
+            <a:r>
+              <a:rPr lang="en-US" dirty="0">
+                <a:latin typeface="Times New Roman" panose="02020603050405020304" pitchFamily="18" charset="0"/>
+                <a:cs typeface="Times New Roman" panose="02020603050405020304" pitchFamily="18" charset="0"/>
+              </a:rPr>
+              <a:t>Infrastructure as a Service</a:t>
+            </a:r>
+            <a:r>
+              <a:rPr lang="ru-RU" dirty="0" smtClean="0">
                 <a:latin typeface="Times New Roman" panose="02020603050405020304" pitchFamily="18" charset="0"/>
                 <a:cs typeface="Times New Roman" panose="02020603050405020304" pitchFamily="18" charset="0"/>
               </a:rPr>
